--- a/diagramas uml1.pptx
+++ b/diagramas uml1.pptx
@@ -22,7 +22,12 @@
     <p:sldId id="267" r:id="rId16"/>
     <p:sldId id="268" r:id="rId17"/>
     <p:sldId id="272" r:id="rId18"/>
-    <p:sldId id="273" r:id="rId19"/>
+    <p:sldId id="274" r:id="rId19"/>
+    <p:sldId id="275" r:id="rId20"/>
+    <p:sldId id="276" r:id="rId21"/>
+    <p:sldId id="273" r:id="rId22"/>
+    <p:sldId id="277" r:id="rId23"/>
+    <p:sldId id="278" r:id="rId24"/>
   </p:sldIdLst>
   <p:sldSz cx="12192000" cy="6858000"/>
   <p:notesSz cx="6858000" cy="9144000"/>
@@ -276,7 +281,7 @@
           <a:p>
             <a:fld id="{EB993E32-8AB3-4DE5-96CB-E95A7A114169}" type="datetimeFigureOut">
               <a:rPr lang="en-US" smtClean="0"/>
-              <a:t>05-Nov-19</a:t>
+              <a:t>07-Nov-19</a:t>
             </a:fld>
             <a:endParaRPr lang="en-US"/>
           </a:p>
@@ -474,7 +479,7 @@
           <a:p>
             <a:fld id="{EB993E32-8AB3-4DE5-96CB-E95A7A114169}" type="datetimeFigureOut">
               <a:rPr lang="en-US" smtClean="0"/>
-              <a:t>05-Nov-19</a:t>
+              <a:t>07-Nov-19</a:t>
             </a:fld>
             <a:endParaRPr lang="en-US"/>
           </a:p>
@@ -682,7 +687,7 @@
           <a:p>
             <a:fld id="{EB993E32-8AB3-4DE5-96CB-E95A7A114169}" type="datetimeFigureOut">
               <a:rPr lang="en-US" smtClean="0"/>
-              <a:t>05-Nov-19</a:t>
+              <a:t>07-Nov-19</a:t>
             </a:fld>
             <a:endParaRPr lang="en-US"/>
           </a:p>
@@ -880,7 +885,7 @@
           <a:p>
             <a:fld id="{EB993E32-8AB3-4DE5-96CB-E95A7A114169}" type="datetimeFigureOut">
               <a:rPr lang="en-US" smtClean="0"/>
-              <a:t>05-Nov-19</a:t>
+              <a:t>07-Nov-19</a:t>
             </a:fld>
             <a:endParaRPr lang="en-US"/>
           </a:p>
@@ -1155,7 +1160,7 @@
           <a:p>
             <a:fld id="{EB993E32-8AB3-4DE5-96CB-E95A7A114169}" type="datetimeFigureOut">
               <a:rPr lang="en-US" smtClean="0"/>
-              <a:t>05-Nov-19</a:t>
+              <a:t>07-Nov-19</a:t>
             </a:fld>
             <a:endParaRPr lang="en-US"/>
           </a:p>
@@ -1420,7 +1425,7 @@
           <a:p>
             <a:fld id="{EB993E32-8AB3-4DE5-96CB-E95A7A114169}" type="datetimeFigureOut">
               <a:rPr lang="en-US" smtClean="0"/>
-              <a:t>05-Nov-19</a:t>
+              <a:t>07-Nov-19</a:t>
             </a:fld>
             <a:endParaRPr lang="en-US"/>
           </a:p>
@@ -1832,7 +1837,7 @@
           <a:p>
             <a:fld id="{EB993E32-8AB3-4DE5-96CB-E95A7A114169}" type="datetimeFigureOut">
               <a:rPr lang="en-US" smtClean="0"/>
-              <a:t>05-Nov-19</a:t>
+              <a:t>07-Nov-19</a:t>
             </a:fld>
             <a:endParaRPr lang="en-US"/>
           </a:p>
@@ -1973,7 +1978,7 @@
           <a:p>
             <a:fld id="{EB993E32-8AB3-4DE5-96CB-E95A7A114169}" type="datetimeFigureOut">
               <a:rPr lang="en-US" smtClean="0"/>
-              <a:t>05-Nov-19</a:t>
+              <a:t>07-Nov-19</a:t>
             </a:fld>
             <a:endParaRPr lang="en-US"/>
           </a:p>
@@ -2086,7 +2091,7 @@
           <a:p>
             <a:fld id="{EB993E32-8AB3-4DE5-96CB-E95A7A114169}" type="datetimeFigureOut">
               <a:rPr lang="en-US" smtClean="0"/>
-              <a:t>05-Nov-19</a:t>
+              <a:t>07-Nov-19</a:t>
             </a:fld>
             <a:endParaRPr lang="en-US"/>
           </a:p>
@@ -2397,7 +2402,7 @@
           <a:p>
             <a:fld id="{EB993E32-8AB3-4DE5-96CB-E95A7A114169}" type="datetimeFigureOut">
               <a:rPr lang="en-US" smtClean="0"/>
-              <a:t>05-Nov-19</a:t>
+              <a:t>07-Nov-19</a:t>
             </a:fld>
             <a:endParaRPr lang="en-US"/>
           </a:p>
@@ -2685,7 +2690,7 @@
           <a:p>
             <a:fld id="{EB993E32-8AB3-4DE5-96CB-E95A7A114169}" type="datetimeFigureOut">
               <a:rPr lang="en-US" smtClean="0"/>
-              <a:t>05-Nov-19</a:t>
+              <a:t>07-Nov-19</a:t>
             </a:fld>
             <a:endParaRPr lang="en-US"/>
           </a:p>
@@ -2926,7 +2931,7 @@
           <a:p>
             <a:fld id="{EB993E32-8AB3-4DE5-96CB-E95A7A114169}" type="datetimeFigureOut">
               <a:rPr lang="en-US" smtClean="0"/>
-              <a:t>05-Nov-19</a:t>
+              <a:t>07-Nov-19</a:t>
             </a:fld>
             <a:endParaRPr lang="en-US"/>
           </a:p>
@@ -6422,7 +6427,7 @@
         </p:nvSpPr>
         <p:spPr>
           <a:xfrm>
-            <a:off x="745435" y="269530"/>
+            <a:off x="838200" y="388799"/>
             <a:ext cx="10515600" cy="976175"/>
           </a:xfrm>
         </p:spPr>
@@ -6438,8 +6443,361 @@
                   <a:schemeClr val="accent1"/>
                 </a:solidFill>
               </a:rPr>
-              <a:t>Diagramas de clase</a:t>
-            </a:r>
+              <a:t>Diagramas de clase: Atributos</a:t>
+            </a:r>
+          </a:p>
+        </p:txBody>
+      </p:sp>
+      <p:sp>
+        <p:nvSpPr>
+          <p:cNvPr id="9" name="Text Placeholder 2">
+            <a:extLst>
+              <a:ext uri="{FF2B5EF4-FFF2-40B4-BE49-F238E27FC236}">
+                <a16:creationId xmlns:a16="http://schemas.microsoft.com/office/drawing/2014/main" id="{499BDD1A-F4D5-4220-9C22-9CDBAB07A2B0}"/>
+              </a:ext>
+            </a:extLst>
+          </p:cNvPr>
+          <p:cNvSpPr txBox="1">
+            <a:spLocks/>
+          </p:cNvSpPr>
+          <p:nvPr/>
+        </p:nvSpPr>
+        <p:spPr>
+          <a:xfrm>
+            <a:off x="838200" y="1364975"/>
+            <a:ext cx="7510670" cy="4996068"/>
+          </a:xfrm>
+          <a:prstGeom prst="rect">
+            <a:avLst/>
+          </a:prstGeom>
+        </p:spPr>
+        <p:txBody>
+          <a:bodyPr vert="horz" lIns="91440" tIns="45720" rIns="91440" bIns="45720" rtlCol="0">
+            <a:normAutofit/>
+          </a:bodyPr>
+          <a:lstStyle>
+            <a:lvl1pPr marL="0" indent="0" algn="l" defTabSz="914400" rtl="0" eaLnBrk="1" latinLnBrk="0" hangingPunct="1">
+              <a:lnSpc>
+                <a:spcPct val="90000"/>
+              </a:lnSpc>
+              <a:spcBef>
+                <a:spcPts val="1000"/>
+              </a:spcBef>
+              <a:buFont typeface="Arial" panose="020B0604020202020204" pitchFamily="34" charset="0"/>
+              <a:buNone/>
+              <a:defRPr sz="2400" kern="1200">
+                <a:solidFill>
+                  <a:schemeClr val="tx1">
+                    <a:tint val="75000"/>
+                  </a:schemeClr>
+                </a:solidFill>
+                <a:latin typeface="+mn-lt"/>
+                <a:ea typeface="+mn-ea"/>
+                <a:cs typeface="+mn-cs"/>
+              </a:defRPr>
+            </a:lvl1pPr>
+            <a:lvl2pPr marL="457200" indent="0" algn="l" defTabSz="914400" rtl="0" eaLnBrk="1" latinLnBrk="0" hangingPunct="1">
+              <a:lnSpc>
+                <a:spcPct val="90000"/>
+              </a:lnSpc>
+              <a:spcBef>
+                <a:spcPts val="500"/>
+              </a:spcBef>
+              <a:buFont typeface="Arial" panose="020B0604020202020204" pitchFamily="34" charset="0"/>
+              <a:buNone/>
+              <a:defRPr sz="2000" kern="1200">
+                <a:solidFill>
+                  <a:schemeClr val="tx1">
+                    <a:tint val="75000"/>
+                  </a:schemeClr>
+                </a:solidFill>
+                <a:latin typeface="+mn-lt"/>
+                <a:ea typeface="+mn-ea"/>
+                <a:cs typeface="+mn-cs"/>
+              </a:defRPr>
+            </a:lvl2pPr>
+            <a:lvl3pPr marL="914400" indent="0" algn="l" defTabSz="914400" rtl="0" eaLnBrk="1" latinLnBrk="0" hangingPunct="1">
+              <a:lnSpc>
+                <a:spcPct val="90000"/>
+              </a:lnSpc>
+              <a:spcBef>
+                <a:spcPts val="500"/>
+              </a:spcBef>
+              <a:buFont typeface="Arial" panose="020B0604020202020204" pitchFamily="34" charset="0"/>
+              <a:buNone/>
+              <a:defRPr sz="1800" kern="1200">
+                <a:solidFill>
+                  <a:schemeClr val="tx1">
+                    <a:tint val="75000"/>
+                  </a:schemeClr>
+                </a:solidFill>
+                <a:latin typeface="+mn-lt"/>
+                <a:ea typeface="+mn-ea"/>
+                <a:cs typeface="+mn-cs"/>
+              </a:defRPr>
+            </a:lvl3pPr>
+            <a:lvl4pPr marL="1371600" indent="0" algn="l" defTabSz="914400" rtl="0" eaLnBrk="1" latinLnBrk="0" hangingPunct="1">
+              <a:lnSpc>
+                <a:spcPct val="90000"/>
+              </a:lnSpc>
+              <a:spcBef>
+                <a:spcPts val="500"/>
+              </a:spcBef>
+              <a:buFont typeface="Arial" panose="020B0604020202020204" pitchFamily="34" charset="0"/>
+              <a:buNone/>
+              <a:defRPr sz="1600" kern="1200">
+                <a:solidFill>
+                  <a:schemeClr val="tx1">
+                    <a:tint val="75000"/>
+                  </a:schemeClr>
+                </a:solidFill>
+                <a:latin typeface="+mn-lt"/>
+                <a:ea typeface="+mn-ea"/>
+                <a:cs typeface="+mn-cs"/>
+              </a:defRPr>
+            </a:lvl4pPr>
+            <a:lvl5pPr marL="1828800" indent="0" algn="l" defTabSz="914400" rtl="0" eaLnBrk="1" latinLnBrk="0" hangingPunct="1">
+              <a:lnSpc>
+                <a:spcPct val="90000"/>
+              </a:lnSpc>
+              <a:spcBef>
+                <a:spcPts val="500"/>
+              </a:spcBef>
+              <a:buFont typeface="Arial" panose="020B0604020202020204" pitchFamily="34" charset="0"/>
+              <a:buNone/>
+              <a:defRPr sz="1600" kern="1200">
+                <a:solidFill>
+                  <a:schemeClr val="tx1">
+                    <a:tint val="75000"/>
+                  </a:schemeClr>
+                </a:solidFill>
+                <a:latin typeface="+mn-lt"/>
+                <a:ea typeface="+mn-ea"/>
+                <a:cs typeface="+mn-cs"/>
+              </a:defRPr>
+            </a:lvl5pPr>
+            <a:lvl6pPr marL="2286000" indent="0" algn="l" defTabSz="914400" rtl="0" eaLnBrk="1" latinLnBrk="0" hangingPunct="1">
+              <a:lnSpc>
+                <a:spcPct val="90000"/>
+              </a:lnSpc>
+              <a:spcBef>
+                <a:spcPts val="500"/>
+              </a:spcBef>
+              <a:buFont typeface="Arial" panose="020B0604020202020204" pitchFamily="34" charset="0"/>
+              <a:buNone/>
+              <a:defRPr sz="1600" kern="1200">
+                <a:solidFill>
+                  <a:schemeClr val="tx1">
+                    <a:tint val="75000"/>
+                  </a:schemeClr>
+                </a:solidFill>
+                <a:latin typeface="+mn-lt"/>
+                <a:ea typeface="+mn-ea"/>
+                <a:cs typeface="+mn-cs"/>
+              </a:defRPr>
+            </a:lvl6pPr>
+            <a:lvl7pPr marL="2743200" indent="0" algn="l" defTabSz="914400" rtl="0" eaLnBrk="1" latinLnBrk="0" hangingPunct="1">
+              <a:lnSpc>
+                <a:spcPct val="90000"/>
+              </a:lnSpc>
+              <a:spcBef>
+                <a:spcPts val="500"/>
+              </a:spcBef>
+              <a:buFont typeface="Arial" panose="020B0604020202020204" pitchFamily="34" charset="0"/>
+              <a:buNone/>
+              <a:defRPr sz="1600" kern="1200">
+                <a:solidFill>
+                  <a:schemeClr val="tx1">
+                    <a:tint val="75000"/>
+                  </a:schemeClr>
+                </a:solidFill>
+                <a:latin typeface="+mn-lt"/>
+                <a:ea typeface="+mn-ea"/>
+                <a:cs typeface="+mn-cs"/>
+              </a:defRPr>
+            </a:lvl7pPr>
+            <a:lvl8pPr marL="3200400" indent="0" algn="l" defTabSz="914400" rtl="0" eaLnBrk="1" latinLnBrk="0" hangingPunct="1">
+              <a:lnSpc>
+                <a:spcPct val="90000"/>
+              </a:lnSpc>
+              <a:spcBef>
+                <a:spcPts val="500"/>
+              </a:spcBef>
+              <a:buFont typeface="Arial" panose="020B0604020202020204" pitchFamily="34" charset="0"/>
+              <a:buNone/>
+              <a:defRPr sz="1600" kern="1200">
+                <a:solidFill>
+                  <a:schemeClr val="tx1">
+                    <a:tint val="75000"/>
+                  </a:schemeClr>
+                </a:solidFill>
+                <a:latin typeface="+mn-lt"/>
+                <a:ea typeface="+mn-ea"/>
+                <a:cs typeface="+mn-cs"/>
+              </a:defRPr>
+            </a:lvl8pPr>
+            <a:lvl9pPr marL="3657600" indent="0" algn="l" defTabSz="914400" rtl="0" eaLnBrk="1" latinLnBrk="0" hangingPunct="1">
+              <a:lnSpc>
+                <a:spcPct val="90000"/>
+              </a:lnSpc>
+              <a:spcBef>
+                <a:spcPts val="500"/>
+              </a:spcBef>
+              <a:buFont typeface="Arial" panose="020B0604020202020204" pitchFamily="34" charset="0"/>
+              <a:buNone/>
+              <a:defRPr sz="1600" kern="1200">
+                <a:solidFill>
+                  <a:schemeClr val="tx1">
+                    <a:tint val="75000"/>
+                  </a:schemeClr>
+                </a:solidFill>
+                <a:latin typeface="+mn-lt"/>
+                <a:ea typeface="+mn-ea"/>
+                <a:cs typeface="+mn-cs"/>
+              </a:defRPr>
+            </a:lvl9pPr>
+          </a:lstStyle>
+          <a:p>
+            <a:pPr algn="just"/>
+            <a:r>
+              <a:rPr lang="es-ES" sz="2800" dirty="0">
+                <a:solidFill>
+                  <a:schemeClr val="tx1"/>
+                </a:solidFill>
+              </a:rPr>
+              <a:t>Por lo general los atributos (o propiedades) se designan como </a:t>
+            </a:r>
+            <a:r>
+              <a:rPr lang="es-ES" sz="2800" b="1" dirty="0">
+                <a:solidFill>
+                  <a:schemeClr val="tx1"/>
+                </a:solidFill>
+              </a:rPr>
+              <a:t>privados</a:t>
+            </a:r>
+            <a:r>
+              <a:rPr lang="es-ES" sz="2800" dirty="0">
+                <a:solidFill>
+                  <a:schemeClr val="tx1"/>
+                </a:solidFill>
+              </a:rPr>
+              <a:t>, o que sólo están disponibles en el objeto, esto se representa con un </a:t>
+            </a:r>
+            <a:r>
+              <a:rPr lang="es-ES" sz="2800" i="1" u="sng" dirty="0">
+                <a:solidFill>
+                  <a:schemeClr val="tx1"/>
+                </a:solidFill>
+              </a:rPr>
+              <a:t>signo negativo </a:t>
+            </a:r>
+            <a:r>
+              <a:rPr lang="es-ES" sz="2800" dirty="0">
+                <a:solidFill>
+                  <a:schemeClr val="tx1"/>
+                </a:solidFill>
+              </a:rPr>
+              <a:t>al inicio del nombre del atributo. </a:t>
+            </a:r>
+          </a:p>
+          <a:p>
+            <a:pPr algn="just"/>
+            <a:r>
+              <a:rPr lang="es-ES" sz="2800" dirty="0">
+                <a:solidFill>
+                  <a:schemeClr val="tx1"/>
+                </a:solidFill>
+              </a:rPr>
+              <a:t>Los atributos también pueden ser </a:t>
+            </a:r>
+            <a:r>
+              <a:rPr lang="es-ES" sz="2800" b="1" dirty="0">
+                <a:solidFill>
+                  <a:schemeClr val="tx1"/>
+                </a:solidFill>
+              </a:rPr>
+              <a:t>protegidos</a:t>
+            </a:r>
+            <a:r>
+              <a:rPr lang="es-ES" sz="2800" dirty="0">
+                <a:solidFill>
+                  <a:schemeClr val="tx1"/>
+                </a:solidFill>
+              </a:rPr>
+              <a:t>, lo cual se indica con un </a:t>
+            </a:r>
+            <a:r>
+              <a:rPr lang="es-ES" sz="2800" i="1" u="sng" dirty="0">
+                <a:solidFill>
+                  <a:schemeClr val="tx1"/>
+                </a:solidFill>
+              </a:rPr>
+              <a:t>símbolo (#). </a:t>
+            </a:r>
+            <a:r>
+              <a:rPr lang="es-ES" sz="2800" dirty="0">
+                <a:solidFill>
+                  <a:schemeClr val="tx1"/>
+                </a:solidFill>
+              </a:rPr>
+              <a:t>Estos atributos están ocultos para todas las clases, excepto las subclases inmediatas. </a:t>
+            </a:r>
+          </a:p>
+          <a:p>
+            <a:pPr algn="just"/>
+            <a:r>
+              <a:rPr lang="es-ES" sz="2800" dirty="0">
+                <a:solidFill>
+                  <a:schemeClr val="tx1"/>
+                </a:solidFill>
+              </a:rPr>
+              <a:t>Bajo raras circunstancias un atributo se hace </a:t>
+            </a:r>
+            <a:r>
+              <a:rPr lang="es-ES" sz="2800" b="1" dirty="0">
+                <a:solidFill>
+                  <a:schemeClr val="tx1"/>
+                </a:solidFill>
+              </a:rPr>
+              <a:t>público</a:t>
+            </a:r>
+            <a:r>
+              <a:rPr lang="es-ES" sz="2800" dirty="0">
+                <a:solidFill>
+                  <a:schemeClr val="tx1"/>
+                </a:solidFill>
+              </a:rPr>
+              <a:t>, lo cual significa que otros objetos fuera de su clase pueden verlo y se indica con un </a:t>
+            </a:r>
+            <a:r>
+              <a:rPr lang="es-ES" sz="2800" i="1" u="sng" dirty="0">
+                <a:solidFill>
+                  <a:schemeClr val="tx1"/>
+                </a:solidFill>
+              </a:rPr>
+              <a:t>símbolo </a:t>
+            </a:r>
+            <a:r>
+              <a:rPr lang="es-ES" sz="2800" i="1" u="sng" dirty="0" err="1">
+                <a:solidFill>
+                  <a:schemeClr val="tx1"/>
+                </a:solidFill>
+              </a:rPr>
+              <a:t>postivo</a:t>
+            </a:r>
+            <a:r>
+              <a:rPr lang="es-ES" sz="2800" i="1" u="sng" dirty="0">
+                <a:solidFill>
+                  <a:schemeClr val="tx1"/>
+                </a:solidFill>
+              </a:rPr>
+              <a:t> (+)</a:t>
+            </a:r>
+            <a:endParaRPr lang="es-HN" sz="2800" dirty="0">
+              <a:solidFill>
+                <a:schemeClr val="tx1"/>
+              </a:solidFill>
+            </a:endParaRPr>
           </a:p>
         </p:txBody>
       </p:sp>
@@ -6448,7 +6806,7 @@
           <p:cNvPr id="5" name="Picture 4">
             <a:extLst>
               <a:ext uri="{FF2B5EF4-FFF2-40B4-BE49-F238E27FC236}">
-                <a16:creationId xmlns:a16="http://schemas.microsoft.com/office/drawing/2014/main" id="{1FB8A25C-20B4-4B0D-AC47-535815ABFD4E}"/>
+                <a16:creationId xmlns:a16="http://schemas.microsoft.com/office/drawing/2014/main" id="{F1A0782F-1FFD-4D52-888A-B040556EE18A}"/>
               </a:ext>
             </a:extLst>
           </p:cNvPr>
@@ -6457,7 +6815,7 @@
           </p:cNvPicPr>
           <p:nvPr/>
         </p:nvPicPr>
-        <p:blipFill>
+        <p:blipFill rotWithShape="1">
           <a:blip r:embed="rId2">
             <a:extLst>
               <a:ext uri="{28A0092B-C50C-407E-A947-70E740481C1C}">
@@ -6465,14 +6823,13 @@
               </a:ext>
             </a:extLst>
           </a:blip>
-          <a:stretch>
-            <a:fillRect/>
-          </a:stretch>
+          <a:srcRect t="1805"/>
+          <a:stretch/>
         </p:blipFill>
         <p:spPr>
           <a:xfrm>
-            <a:off x="838200" y="1383570"/>
-            <a:ext cx="9435547" cy="4883611"/>
+            <a:off x="9237196" y="1669774"/>
+            <a:ext cx="2351883" cy="3260352"/>
           </a:xfrm>
           <a:prstGeom prst="rect">
             <a:avLst/>
@@ -6482,7 +6839,366 @@
     </p:spTree>
     <p:extLst>
       <p:ext uri="{BB962C8B-B14F-4D97-AF65-F5344CB8AC3E}">
-        <p14:creationId xmlns:p14="http://schemas.microsoft.com/office/powerpoint/2010/main" val="501120051"/>
+        <p14:creationId xmlns:p14="http://schemas.microsoft.com/office/powerpoint/2010/main" val="2539760841"/>
+      </p:ext>
+    </p:extLst>
+  </p:cSld>
+  <p:clrMapOvr>
+    <a:masterClrMapping/>
+  </p:clrMapOvr>
+</p:sld>
+</file>
+
+<file path=ppt/slides/slide19.xml><?xml version="1.0" encoding="utf-8"?>
+<p:sld xmlns:a="http://schemas.openxmlformats.org/drawingml/2006/main" xmlns:r="http://schemas.openxmlformats.org/officeDocument/2006/relationships" xmlns:p="http://schemas.openxmlformats.org/presentationml/2006/main">
+  <p:cSld>
+    <p:spTree>
+      <p:nvGrpSpPr>
+        <p:cNvPr id="1" name=""/>
+        <p:cNvGrpSpPr/>
+        <p:nvPr/>
+      </p:nvGrpSpPr>
+      <p:grpSpPr>
+        <a:xfrm>
+          <a:off x="0" y="0"/>
+          <a:ext cx="0" cy="0"/>
+          <a:chOff x="0" y="0"/>
+          <a:chExt cx="0" cy="0"/>
+        </a:xfrm>
+      </p:grpSpPr>
+      <p:sp>
+        <p:nvSpPr>
+          <p:cNvPr id="2" name="Title 1">
+            <a:extLst>
+              <a:ext uri="{FF2B5EF4-FFF2-40B4-BE49-F238E27FC236}">
+                <a16:creationId xmlns:a16="http://schemas.microsoft.com/office/drawing/2014/main" id="{F172DF72-D130-492B-8357-F2094EA116F7}"/>
+              </a:ext>
+            </a:extLst>
+          </p:cNvPr>
+          <p:cNvSpPr>
+            <a:spLocks noGrp="1"/>
+          </p:cNvSpPr>
+          <p:nvPr>
+            <p:ph type="title"/>
+          </p:nvPr>
+        </p:nvSpPr>
+        <p:spPr>
+          <a:xfrm>
+            <a:off x="838200" y="388799"/>
+            <a:ext cx="10515600" cy="976175"/>
+          </a:xfrm>
+        </p:spPr>
+        <p:txBody>
+          <a:bodyPr>
+            <a:normAutofit/>
+          </a:bodyPr>
+          <a:lstStyle/>
+          <a:p>
+            <a:r>
+              <a:rPr lang="es-HN" b="1" dirty="0">
+                <a:solidFill>
+                  <a:schemeClr val="accent1"/>
+                </a:solidFill>
+              </a:rPr>
+              <a:t>Diagramas de clase: Asociaciones</a:t>
+            </a:r>
+          </a:p>
+        </p:txBody>
+      </p:sp>
+      <p:sp>
+        <p:nvSpPr>
+          <p:cNvPr id="9" name="Text Placeholder 2">
+            <a:extLst>
+              <a:ext uri="{FF2B5EF4-FFF2-40B4-BE49-F238E27FC236}">
+                <a16:creationId xmlns:a16="http://schemas.microsoft.com/office/drawing/2014/main" id="{499BDD1A-F4D5-4220-9C22-9CDBAB07A2B0}"/>
+              </a:ext>
+            </a:extLst>
+          </p:cNvPr>
+          <p:cNvSpPr txBox="1">
+            <a:spLocks/>
+          </p:cNvSpPr>
+          <p:nvPr/>
+        </p:nvSpPr>
+        <p:spPr>
+          <a:xfrm>
+            <a:off x="838200" y="1781381"/>
+            <a:ext cx="5257800" cy="4579662"/>
+          </a:xfrm>
+          <a:prstGeom prst="rect">
+            <a:avLst/>
+          </a:prstGeom>
+        </p:spPr>
+        <p:txBody>
+          <a:bodyPr vert="horz" lIns="91440" tIns="45720" rIns="91440" bIns="45720" rtlCol="0">
+            <a:normAutofit/>
+          </a:bodyPr>
+          <a:lstStyle>
+            <a:lvl1pPr marL="0" indent="0" algn="l" defTabSz="914400" rtl="0" eaLnBrk="1" latinLnBrk="0" hangingPunct="1">
+              <a:lnSpc>
+                <a:spcPct val="90000"/>
+              </a:lnSpc>
+              <a:spcBef>
+                <a:spcPts val="1000"/>
+              </a:spcBef>
+              <a:buFont typeface="Arial" panose="020B0604020202020204" pitchFamily="34" charset="0"/>
+              <a:buNone/>
+              <a:defRPr sz="2400" kern="1200">
+                <a:solidFill>
+                  <a:schemeClr val="tx1">
+                    <a:tint val="75000"/>
+                  </a:schemeClr>
+                </a:solidFill>
+                <a:latin typeface="+mn-lt"/>
+                <a:ea typeface="+mn-ea"/>
+                <a:cs typeface="+mn-cs"/>
+              </a:defRPr>
+            </a:lvl1pPr>
+            <a:lvl2pPr marL="457200" indent="0" algn="l" defTabSz="914400" rtl="0" eaLnBrk="1" latinLnBrk="0" hangingPunct="1">
+              <a:lnSpc>
+                <a:spcPct val="90000"/>
+              </a:lnSpc>
+              <a:spcBef>
+                <a:spcPts val="500"/>
+              </a:spcBef>
+              <a:buFont typeface="Arial" panose="020B0604020202020204" pitchFamily="34" charset="0"/>
+              <a:buNone/>
+              <a:defRPr sz="2000" kern="1200">
+                <a:solidFill>
+                  <a:schemeClr val="tx1">
+                    <a:tint val="75000"/>
+                  </a:schemeClr>
+                </a:solidFill>
+                <a:latin typeface="+mn-lt"/>
+                <a:ea typeface="+mn-ea"/>
+                <a:cs typeface="+mn-cs"/>
+              </a:defRPr>
+            </a:lvl2pPr>
+            <a:lvl3pPr marL="914400" indent="0" algn="l" defTabSz="914400" rtl="0" eaLnBrk="1" latinLnBrk="0" hangingPunct="1">
+              <a:lnSpc>
+                <a:spcPct val="90000"/>
+              </a:lnSpc>
+              <a:spcBef>
+                <a:spcPts val="500"/>
+              </a:spcBef>
+              <a:buFont typeface="Arial" panose="020B0604020202020204" pitchFamily="34" charset="0"/>
+              <a:buNone/>
+              <a:defRPr sz="1800" kern="1200">
+                <a:solidFill>
+                  <a:schemeClr val="tx1">
+                    <a:tint val="75000"/>
+                  </a:schemeClr>
+                </a:solidFill>
+                <a:latin typeface="+mn-lt"/>
+                <a:ea typeface="+mn-ea"/>
+                <a:cs typeface="+mn-cs"/>
+              </a:defRPr>
+            </a:lvl3pPr>
+            <a:lvl4pPr marL="1371600" indent="0" algn="l" defTabSz="914400" rtl="0" eaLnBrk="1" latinLnBrk="0" hangingPunct="1">
+              <a:lnSpc>
+                <a:spcPct val="90000"/>
+              </a:lnSpc>
+              <a:spcBef>
+                <a:spcPts val="500"/>
+              </a:spcBef>
+              <a:buFont typeface="Arial" panose="020B0604020202020204" pitchFamily="34" charset="0"/>
+              <a:buNone/>
+              <a:defRPr sz="1600" kern="1200">
+                <a:solidFill>
+                  <a:schemeClr val="tx1">
+                    <a:tint val="75000"/>
+                  </a:schemeClr>
+                </a:solidFill>
+                <a:latin typeface="+mn-lt"/>
+                <a:ea typeface="+mn-ea"/>
+                <a:cs typeface="+mn-cs"/>
+              </a:defRPr>
+            </a:lvl4pPr>
+            <a:lvl5pPr marL="1828800" indent="0" algn="l" defTabSz="914400" rtl="0" eaLnBrk="1" latinLnBrk="0" hangingPunct="1">
+              <a:lnSpc>
+                <a:spcPct val="90000"/>
+              </a:lnSpc>
+              <a:spcBef>
+                <a:spcPts val="500"/>
+              </a:spcBef>
+              <a:buFont typeface="Arial" panose="020B0604020202020204" pitchFamily="34" charset="0"/>
+              <a:buNone/>
+              <a:defRPr sz="1600" kern="1200">
+                <a:solidFill>
+                  <a:schemeClr val="tx1">
+                    <a:tint val="75000"/>
+                  </a:schemeClr>
+                </a:solidFill>
+                <a:latin typeface="+mn-lt"/>
+                <a:ea typeface="+mn-ea"/>
+                <a:cs typeface="+mn-cs"/>
+              </a:defRPr>
+            </a:lvl5pPr>
+            <a:lvl6pPr marL="2286000" indent="0" algn="l" defTabSz="914400" rtl="0" eaLnBrk="1" latinLnBrk="0" hangingPunct="1">
+              <a:lnSpc>
+                <a:spcPct val="90000"/>
+              </a:lnSpc>
+              <a:spcBef>
+                <a:spcPts val="500"/>
+              </a:spcBef>
+              <a:buFont typeface="Arial" panose="020B0604020202020204" pitchFamily="34" charset="0"/>
+              <a:buNone/>
+              <a:defRPr sz="1600" kern="1200">
+                <a:solidFill>
+                  <a:schemeClr val="tx1">
+                    <a:tint val="75000"/>
+                  </a:schemeClr>
+                </a:solidFill>
+                <a:latin typeface="+mn-lt"/>
+                <a:ea typeface="+mn-ea"/>
+                <a:cs typeface="+mn-cs"/>
+              </a:defRPr>
+            </a:lvl6pPr>
+            <a:lvl7pPr marL="2743200" indent="0" algn="l" defTabSz="914400" rtl="0" eaLnBrk="1" latinLnBrk="0" hangingPunct="1">
+              <a:lnSpc>
+                <a:spcPct val="90000"/>
+              </a:lnSpc>
+              <a:spcBef>
+                <a:spcPts val="500"/>
+              </a:spcBef>
+              <a:buFont typeface="Arial" panose="020B0604020202020204" pitchFamily="34" charset="0"/>
+              <a:buNone/>
+              <a:defRPr sz="1600" kern="1200">
+                <a:solidFill>
+                  <a:schemeClr val="tx1">
+                    <a:tint val="75000"/>
+                  </a:schemeClr>
+                </a:solidFill>
+                <a:latin typeface="+mn-lt"/>
+                <a:ea typeface="+mn-ea"/>
+                <a:cs typeface="+mn-cs"/>
+              </a:defRPr>
+            </a:lvl7pPr>
+            <a:lvl8pPr marL="3200400" indent="0" algn="l" defTabSz="914400" rtl="0" eaLnBrk="1" latinLnBrk="0" hangingPunct="1">
+              <a:lnSpc>
+                <a:spcPct val="90000"/>
+              </a:lnSpc>
+              <a:spcBef>
+                <a:spcPts val="500"/>
+              </a:spcBef>
+              <a:buFont typeface="Arial" panose="020B0604020202020204" pitchFamily="34" charset="0"/>
+              <a:buNone/>
+              <a:defRPr sz="1600" kern="1200">
+                <a:solidFill>
+                  <a:schemeClr val="tx1">
+                    <a:tint val="75000"/>
+                  </a:schemeClr>
+                </a:solidFill>
+                <a:latin typeface="+mn-lt"/>
+                <a:ea typeface="+mn-ea"/>
+                <a:cs typeface="+mn-cs"/>
+              </a:defRPr>
+            </a:lvl8pPr>
+            <a:lvl9pPr marL="3657600" indent="0" algn="l" defTabSz="914400" rtl="0" eaLnBrk="1" latinLnBrk="0" hangingPunct="1">
+              <a:lnSpc>
+                <a:spcPct val="90000"/>
+              </a:lnSpc>
+              <a:spcBef>
+                <a:spcPts val="500"/>
+              </a:spcBef>
+              <a:buFont typeface="Arial" panose="020B0604020202020204" pitchFamily="34" charset="0"/>
+              <a:buNone/>
+              <a:defRPr sz="1600" kern="1200">
+                <a:solidFill>
+                  <a:schemeClr val="tx1">
+                    <a:tint val="75000"/>
+                  </a:schemeClr>
+                </a:solidFill>
+                <a:latin typeface="+mn-lt"/>
+                <a:ea typeface="+mn-ea"/>
+                <a:cs typeface="+mn-cs"/>
+              </a:defRPr>
+            </a:lvl9pPr>
+          </a:lstStyle>
+          <a:p>
+            <a:pPr algn="just"/>
+            <a:r>
+              <a:rPr lang="es-ES" sz="2800" dirty="0">
+                <a:solidFill>
+                  <a:schemeClr val="tx1"/>
+                </a:solidFill>
+              </a:rPr>
+              <a:t>Las asociaciones se muestran como una simple línea en un diagrama de clases. Los puntos finales de la línea se etiquetan con un símbolo que indica la </a:t>
+            </a:r>
+            <a:r>
+              <a:rPr lang="es-ES" sz="2800" b="1" dirty="0">
+                <a:solidFill>
+                  <a:schemeClr val="tx1"/>
+                </a:solidFill>
+              </a:rPr>
+              <a:t>multiplicidad</a:t>
+            </a:r>
+            <a:r>
+              <a:rPr lang="es-ES" sz="2800" dirty="0">
+                <a:solidFill>
+                  <a:schemeClr val="tx1"/>
+                </a:solidFill>
+              </a:rPr>
+              <a:t>, que es lo mismo que la cardinalidad en un diagrama de entidad-relación</a:t>
+            </a:r>
+            <a:endParaRPr lang="es-HN" sz="2800" dirty="0">
+              <a:solidFill>
+                <a:schemeClr val="tx1"/>
+              </a:solidFill>
+            </a:endParaRPr>
+          </a:p>
+        </p:txBody>
+      </p:sp>
+      <p:pic>
+        <p:nvPicPr>
+          <p:cNvPr id="1026" name="Picture 2" descr="Imagen relacionada">
+            <a:extLst>
+              <a:ext uri="{FF2B5EF4-FFF2-40B4-BE49-F238E27FC236}">
+                <a16:creationId xmlns:a16="http://schemas.microsoft.com/office/drawing/2014/main" id="{B2DB9DF4-CD62-4941-B1F0-EB29F81B6912}"/>
+              </a:ext>
+            </a:extLst>
+          </p:cNvPr>
+          <p:cNvPicPr>
+            <a:picLocks noChangeAspect="1" noChangeArrowheads="1"/>
+          </p:cNvPicPr>
+          <p:nvPr/>
+        </p:nvPicPr>
+        <p:blipFill>
+          <a:blip r:embed="rId2">
+            <a:extLst>
+              <a:ext uri="{28A0092B-C50C-407E-A947-70E740481C1C}">
+                <a14:useLocalDpi xmlns:a14="http://schemas.microsoft.com/office/drawing/2010/main" val="0"/>
+              </a:ext>
+            </a:extLst>
+          </a:blip>
+          <a:srcRect/>
+          <a:stretch>
+            <a:fillRect/>
+          </a:stretch>
+        </p:blipFill>
+        <p:spPr bwMode="auto">
+          <a:xfrm>
+            <a:off x="6544006" y="2019921"/>
+            <a:ext cx="5117907" cy="2419557"/>
+          </a:xfrm>
+          <a:prstGeom prst="rect">
+            <a:avLst/>
+          </a:prstGeom>
+          <a:noFill/>
+          <a:extLst>
+            <a:ext uri="{909E8E84-426E-40DD-AFC4-6F175D3DCCD1}">
+              <a14:hiddenFill xmlns:a14="http://schemas.microsoft.com/office/drawing/2010/main">
+                <a:solidFill>
+                  <a:srgbClr val="FFFFFF"/>
+                </a:solidFill>
+              </a14:hiddenFill>
+            </a:ext>
+          </a:extLst>
+        </p:spPr>
+      </p:pic>
+    </p:spTree>
+    <p:extLst>
+      <p:ext uri="{BB962C8B-B14F-4D97-AF65-F5344CB8AC3E}">
+        <p14:creationId xmlns:p14="http://schemas.microsoft.com/office/powerpoint/2010/main" val="2026845160"/>
       </p:ext>
     </p:extLst>
   </p:cSld>
@@ -6658,6 +7374,724 @@
     <p:extLst>
       <p:ext uri="{BB962C8B-B14F-4D97-AF65-F5344CB8AC3E}">
         <p14:creationId xmlns:p14="http://schemas.microsoft.com/office/powerpoint/2010/main" val="364752159"/>
+      </p:ext>
+    </p:extLst>
+  </p:cSld>
+  <p:clrMapOvr>
+    <a:masterClrMapping/>
+  </p:clrMapOvr>
+</p:sld>
+</file>
+
+<file path=ppt/slides/slide20.xml><?xml version="1.0" encoding="utf-8"?>
+<p:sld xmlns:a="http://schemas.openxmlformats.org/drawingml/2006/main" xmlns:r="http://schemas.openxmlformats.org/officeDocument/2006/relationships" xmlns:p="http://schemas.openxmlformats.org/presentationml/2006/main">
+  <p:cSld>
+    <p:spTree>
+      <p:nvGrpSpPr>
+        <p:cNvPr id="1" name=""/>
+        <p:cNvGrpSpPr/>
+        <p:nvPr/>
+      </p:nvGrpSpPr>
+      <p:grpSpPr>
+        <a:xfrm>
+          <a:off x="0" y="0"/>
+          <a:ext cx="0" cy="0"/>
+          <a:chOff x="0" y="0"/>
+          <a:chExt cx="0" cy="0"/>
+        </a:xfrm>
+      </p:grpSpPr>
+      <p:sp>
+        <p:nvSpPr>
+          <p:cNvPr id="2" name="Title 1">
+            <a:extLst>
+              <a:ext uri="{FF2B5EF4-FFF2-40B4-BE49-F238E27FC236}">
+                <a16:creationId xmlns:a16="http://schemas.microsoft.com/office/drawing/2014/main" id="{F172DF72-D130-492B-8357-F2094EA116F7}"/>
+              </a:ext>
+            </a:extLst>
+          </p:cNvPr>
+          <p:cNvSpPr>
+            <a:spLocks noGrp="1"/>
+          </p:cNvSpPr>
+          <p:nvPr>
+            <p:ph type="title"/>
+          </p:nvPr>
+        </p:nvSpPr>
+        <p:spPr>
+          <a:xfrm>
+            <a:off x="838200" y="388799"/>
+            <a:ext cx="10515600" cy="976175"/>
+          </a:xfrm>
+        </p:spPr>
+        <p:txBody>
+          <a:bodyPr>
+            <a:normAutofit/>
+          </a:bodyPr>
+          <a:lstStyle/>
+          <a:p>
+            <a:r>
+              <a:rPr lang="es-HN" b="1" dirty="0">
+                <a:solidFill>
+                  <a:schemeClr val="accent1"/>
+                </a:solidFill>
+              </a:rPr>
+              <a:t>Diagramas de clase: Asociaciones</a:t>
+            </a:r>
+          </a:p>
+        </p:txBody>
+      </p:sp>
+      <p:pic>
+        <p:nvPicPr>
+          <p:cNvPr id="4" name="Picture 3">
+            <a:extLst>
+              <a:ext uri="{FF2B5EF4-FFF2-40B4-BE49-F238E27FC236}">
+                <a16:creationId xmlns:a16="http://schemas.microsoft.com/office/drawing/2014/main" id="{D6B608B2-8692-4CE7-BCA4-F9DFB6DE7C31}"/>
+              </a:ext>
+            </a:extLst>
+          </p:cNvPr>
+          <p:cNvPicPr>
+            <a:picLocks noChangeAspect="1"/>
+          </p:cNvPicPr>
+          <p:nvPr/>
+        </p:nvPicPr>
+        <p:blipFill>
+          <a:blip r:embed="rId2">
+            <a:extLst>
+              <a:ext uri="{28A0092B-C50C-407E-A947-70E740481C1C}">
+                <a14:useLocalDpi xmlns:a14="http://schemas.microsoft.com/office/drawing/2010/main" val="0"/>
+              </a:ext>
+            </a:extLst>
+          </a:blip>
+          <a:stretch>
+            <a:fillRect/>
+          </a:stretch>
+        </p:blipFill>
+        <p:spPr>
+          <a:xfrm>
+            <a:off x="414506" y="1894223"/>
+            <a:ext cx="6122673" cy="3684942"/>
+          </a:xfrm>
+          <a:prstGeom prst="rect">
+            <a:avLst/>
+          </a:prstGeom>
+        </p:spPr>
+      </p:pic>
+      <p:pic>
+        <p:nvPicPr>
+          <p:cNvPr id="6" name="Picture 5">
+            <a:extLst>
+              <a:ext uri="{FF2B5EF4-FFF2-40B4-BE49-F238E27FC236}">
+                <a16:creationId xmlns:a16="http://schemas.microsoft.com/office/drawing/2014/main" id="{7C6A5854-3595-4A0A-988E-26393E8EAF9A}"/>
+              </a:ext>
+            </a:extLst>
+          </p:cNvPr>
+          <p:cNvPicPr>
+            <a:picLocks noChangeAspect="1"/>
+          </p:cNvPicPr>
+          <p:nvPr/>
+        </p:nvPicPr>
+        <p:blipFill>
+          <a:blip r:embed="rId3">
+            <a:extLst>
+              <a:ext uri="{28A0092B-C50C-407E-A947-70E740481C1C}">
+                <a14:useLocalDpi xmlns:a14="http://schemas.microsoft.com/office/drawing/2010/main" val="0"/>
+              </a:ext>
+            </a:extLst>
+          </a:blip>
+          <a:stretch>
+            <a:fillRect/>
+          </a:stretch>
+        </p:blipFill>
+        <p:spPr>
+          <a:xfrm>
+            <a:off x="6537179" y="2350929"/>
+            <a:ext cx="5320915" cy="2771530"/>
+          </a:xfrm>
+          <a:prstGeom prst="rect">
+            <a:avLst/>
+          </a:prstGeom>
+        </p:spPr>
+      </p:pic>
+    </p:spTree>
+    <p:extLst>
+      <p:ext uri="{BB962C8B-B14F-4D97-AF65-F5344CB8AC3E}">
+        <p14:creationId xmlns:p14="http://schemas.microsoft.com/office/powerpoint/2010/main" val="526851543"/>
+      </p:ext>
+    </p:extLst>
+  </p:cSld>
+  <p:clrMapOvr>
+    <a:masterClrMapping/>
+  </p:clrMapOvr>
+</p:sld>
+</file>
+
+<file path=ppt/slides/slide21.xml><?xml version="1.0" encoding="utf-8"?>
+<p:sld xmlns:a="http://schemas.openxmlformats.org/drawingml/2006/main" xmlns:r="http://schemas.openxmlformats.org/officeDocument/2006/relationships" xmlns:p="http://schemas.openxmlformats.org/presentationml/2006/main">
+  <p:cSld>
+    <p:spTree>
+      <p:nvGrpSpPr>
+        <p:cNvPr id="1" name=""/>
+        <p:cNvGrpSpPr/>
+        <p:nvPr/>
+      </p:nvGrpSpPr>
+      <p:grpSpPr>
+        <a:xfrm>
+          <a:off x="0" y="0"/>
+          <a:ext cx="0" cy="0"/>
+          <a:chOff x="0" y="0"/>
+          <a:chExt cx="0" cy="0"/>
+        </a:xfrm>
+      </p:grpSpPr>
+      <p:sp>
+        <p:nvSpPr>
+          <p:cNvPr id="2" name="Title 1">
+            <a:extLst>
+              <a:ext uri="{FF2B5EF4-FFF2-40B4-BE49-F238E27FC236}">
+                <a16:creationId xmlns:a16="http://schemas.microsoft.com/office/drawing/2014/main" id="{F172DF72-D130-492B-8357-F2094EA116F7}"/>
+              </a:ext>
+            </a:extLst>
+          </p:cNvPr>
+          <p:cNvSpPr>
+            <a:spLocks noGrp="1"/>
+          </p:cNvSpPr>
+          <p:nvPr>
+            <p:ph type="title"/>
+          </p:nvPr>
+        </p:nvSpPr>
+        <p:spPr>
+          <a:xfrm>
+            <a:off x="745435" y="269530"/>
+            <a:ext cx="10515600" cy="976175"/>
+          </a:xfrm>
+        </p:spPr>
+        <p:txBody>
+          <a:bodyPr>
+            <a:normAutofit/>
+          </a:bodyPr>
+          <a:lstStyle/>
+          <a:p>
+            <a:r>
+              <a:rPr lang="es-HN" b="1" dirty="0">
+                <a:solidFill>
+                  <a:schemeClr val="accent1"/>
+                </a:solidFill>
+              </a:rPr>
+              <a:t>Diagramas de clase: Agregaciones</a:t>
+            </a:r>
+          </a:p>
+        </p:txBody>
+      </p:sp>
+      <p:pic>
+        <p:nvPicPr>
+          <p:cNvPr id="5" name="Picture 4">
+            <a:extLst>
+              <a:ext uri="{FF2B5EF4-FFF2-40B4-BE49-F238E27FC236}">
+                <a16:creationId xmlns:a16="http://schemas.microsoft.com/office/drawing/2014/main" id="{1FB8A25C-20B4-4B0D-AC47-535815ABFD4E}"/>
+              </a:ext>
+            </a:extLst>
+          </p:cNvPr>
+          <p:cNvPicPr>
+            <a:picLocks noChangeAspect="1"/>
+          </p:cNvPicPr>
+          <p:nvPr/>
+        </p:nvPicPr>
+        <p:blipFill>
+          <a:blip r:embed="rId2">
+            <a:extLst>
+              <a:ext uri="{28A0092B-C50C-407E-A947-70E740481C1C}">
+                <a14:useLocalDpi xmlns:a14="http://schemas.microsoft.com/office/drawing/2010/main" val="0"/>
+              </a:ext>
+            </a:extLst>
+          </a:blip>
+          <a:stretch>
+            <a:fillRect/>
+          </a:stretch>
+        </p:blipFill>
+        <p:spPr>
+          <a:xfrm>
+            <a:off x="957470" y="1383570"/>
+            <a:ext cx="9435547" cy="4883611"/>
+          </a:xfrm>
+          <a:prstGeom prst="rect">
+            <a:avLst/>
+          </a:prstGeom>
+        </p:spPr>
+      </p:pic>
+    </p:spTree>
+    <p:extLst>
+      <p:ext uri="{BB962C8B-B14F-4D97-AF65-F5344CB8AC3E}">
+        <p14:creationId xmlns:p14="http://schemas.microsoft.com/office/powerpoint/2010/main" val="501120051"/>
+      </p:ext>
+    </p:extLst>
+  </p:cSld>
+  <p:clrMapOvr>
+    <a:masterClrMapping/>
+  </p:clrMapOvr>
+</p:sld>
+</file>
+
+<file path=ppt/slides/slide22.xml><?xml version="1.0" encoding="utf-8"?>
+<p:sld xmlns:a="http://schemas.openxmlformats.org/drawingml/2006/main" xmlns:r="http://schemas.openxmlformats.org/officeDocument/2006/relationships" xmlns:p="http://schemas.openxmlformats.org/presentationml/2006/main">
+  <p:cSld>
+    <p:spTree>
+      <p:nvGrpSpPr>
+        <p:cNvPr id="1" name=""/>
+        <p:cNvGrpSpPr/>
+        <p:nvPr/>
+      </p:nvGrpSpPr>
+      <p:grpSpPr>
+        <a:xfrm>
+          <a:off x="0" y="0"/>
+          <a:ext cx="0" cy="0"/>
+          <a:chOff x="0" y="0"/>
+          <a:chExt cx="0" cy="0"/>
+        </a:xfrm>
+      </p:grpSpPr>
+      <p:sp>
+        <p:nvSpPr>
+          <p:cNvPr id="2" name="Title 1">
+            <a:extLst>
+              <a:ext uri="{FF2B5EF4-FFF2-40B4-BE49-F238E27FC236}">
+                <a16:creationId xmlns:a16="http://schemas.microsoft.com/office/drawing/2014/main" id="{F172DF72-D130-492B-8357-F2094EA116F7}"/>
+              </a:ext>
+            </a:extLst>
+          </p:cNvPr>
+          <p:cNvSpPr>
+            <a:spLocks noGrp="1"/>
+          </p:cNvSpPr>
+          <p:nvPr>
+            <p:ph type="title"/>
+          </p:nvPr>
+        </p:nvSpPr>
+        <p:spPr>
+          <a:xfrm>
+            <a:off x="745435" y="269530"/>
+            <a:ext cx="10929730" cy="976175"/>
+          </a:xfrm>
+        </p:spPr>
+        <p:txBody>
+          <a:bodyPr>
+            <a:normAutofit fontScale="90000"/>
+          </a:bodyPr>
+          <a:lstStyle/>
+          <a:p>
+            <a:r>
+              <a:rPr lang="es-HN" b="1" dirty="0">
+                <a:solidFill>
+                  <a:schemeClr val="accent1"/>
+                </a:solidFill>
+              </a:rPr>
+              <a:t>Diagramas de clase: Generalizaciones</a:t>
+            </a:r>
+          </a:p>
+        </p:txBody>
+      </p:sp>
+      <p:pic>
+        <p:nvPicPr>
+          <p:cNvPr id="7" name="Picture 6">
+            <a:extLst>
+              <a:ext uri="{FF2B5EF4-FFF2-40B4-BE49-F238E27FC236}">
+                <a16:creationId xmlns:a16="http://schemas.microsoft.com/office/drawing/2014/main" id="{F53A9000-C49A-44E8-AAC4-087B4F4A9FCF}"/>
+              </a:ext>
+            </a:extLst>
+          </p:cNvPr>
+          <p:cNvPicPr>
+            <a:picLocks noChangeAspect="1"/>
+          </p:cNvPicPr>
+          <p:nvPr/>
+        </p:nvPicPr>
+        <p:blipFill rotWithShape="1">
+          <a:blip r:embed="rId2">
+            <a:extLst>
+              <a:ext uri="{28A0092B-C50C-407E-A947-70E740481C1C}">
+                <a14:useLocalDpi xmlns:a14="http://schemas.microsoft.com/office/drawing/2010/main" val="0"/>
+              </a:ext>
+            </a:extLst>
+          </a:blip>
+          <a:srcRect l="3518"/>
+          <a:stretch/>
+        </p:blipFill>
+        <p:spPr>
+          <a:xfrm>
+            <a:off x="967409" y="1770424"/>
+            <a:ext cx="5723494" cy="4258275"/>
+          </a:xfrm>
+          <a:prstGeom prst="rect">
+            <a:avLst/>
+          </a:prstGeom>
+        </p:spPr>
+      </p:pic>
+      <p:pic>
+        <p:nvPicPr>
+          <p:cNvPr id="9" name="Picture 8">
+            <a:extLst>
+              <a:ext uri="{FF2B5EF4-FFF2-40B4-BE49-F238E27FC236}">
+                <a16:creationId xmlns:a16="http://schemas.microsoft.com/office/drawing/2014/main" id="{A1C4FEAC-88FF-41C2-B70D-FFDF64EDFF31}"/>
+              </a:ext>
+            </a:extLst>
+          </p:cNvPr>
+          <p:cNvPicPr>
+            <a:picLocks noChangeAspect="1"/>
+          </p:cNvPicPr>
+          <p:nvPr/>
+        </p:nvPicPr>
+        <p:blipFill>
+          <a:blip r:embed="rId3">
+            <a:extLst>
+              <a:ext uri="{28A0092B-C50C-407E-A947-70E740481C1C}">
+                <a14:useLocalDpi xmlns:a14="http://schemas.microsoft.com/office/drawing/2010/main" val="0"/>
+              </a:ext>
+            </a:extLst>
+          </a:blip>
+          <a:stretch>
+            <a:fillRect/>
+          </a:stretch>
+        </p:blipFill>
+        <p:spPr>
+          <a:xfrm>
+            <a:off x="7122435" y="2547156"/>
+            <a:ext cx="4377139" cy="2704810"/>
+          </a:xfrm>
+          <a:prstGeom prst="rect">
+            <a:avLst/>
+          </a:prstGeom>
+        </p:spPr>
+      </p:pic>
+    </p:spTree>
+    <p:extLst>
+      <p:ext uri="{BB962C8B-B14F-4D97-AF65-F5344CB8AC3E}">
+        <p14:creationId xmlns:p14="http://schemas.microsoft.com/office/powerpoint/2010/main" val="2921981314"/>
+      </p:ext>
+    </p:extLst>
+  </p:cSld>
+  <p:clrMapOvr>
+    <a:masterClrMapping/>
+  </p:clrMapOvr>
+</p:sld>
+</file>
+
+<file path=ppt/slides/slide23.xml><?xml version="1.0" encoding="utf-8"?>
+<p:sld xmlns:a="http://schemas.openxmlformats.org/drawingml/2006/main" xmlns:r="http://schemas.openxmlformats.org/officeDocument/2006/relationships" xmlns:p="http://schemas.openxmlformats.org/presentationml/2006/main">
+  <p:cSld>
+    <p:spTree>
+      <p:nvGrpSpPr>
+        <p:cNvPr id="1" name=""/>
+        <p:cNvGrpSpPr/>
+        <p:nvPr/>
+      </p:nvGrpSpPr>
+      <p:grpSpPr>
+        <a:xfrm>
+          <a:off x="0" y="0"/>
+          <a:ext cx="0" cy="0"/>
+          <a:chOff x="0" y="0"/>
+          <a:chExt cx="0" cy="0"/>
+        </a:xfrm>
+      </p:grpSpPr>
+      <p:sp>
+        <p:nvSpPr>
+          <p:cNvPr id="2" name="Title 1">
+            <a:extLst>
+              <a:ext uri="{FF2B5EF4-FFF2-40B4-BE49-F238E27FC236}">
+                <a16:creationId xmlns:a16="http://schemas.microsoft.com/office/drawing/2014/main" id="{F172DF72-D130-492B-8357-F2094EA116F7}"/>
+              </a:ext>
+            </a:extLst>
+          </p:cNvPr>
+          <p:cNvSpPr>
+            <a:spLocks noGrp="1"/>
+          </p:cNvSpPr>
+          <p:nvPr>
+            <p:ph type="title"/>
+          </p:nvPr>
+        </p:nvSpPr>
+        <p:spPr>
+          <a:xfrm>
+            <a:off x="838200" y="388799"/>
+            <a:ext cx="10515600" cy="976175"/>
+          </a:xfrm>
+        </p:spPr>
+        <p:txBody>
+          <a:bodyPr>
+            <a:normAutofit/>
+          </a:bodyPr>
+          <a:lstStyle/>
+          <a:p>
+            <a:r>
+              <a:rPr lang="es-HN" b="1" dirty="0">
+                <a:solidFill>
+                  <a:schemeClr val="accent1"/>
+                </a:solidFill>
+              </a:rPr>
+              <a:t>Diagramas de secuencia</a:t>
+            </a:r>
+          </a:p>
+        </p:txBody>
+      </p:sp>
+      <p:sp>
+        <p:nvSpPr>
+          <p:cNvPr id="9" name="Text Placeholder 2">
+            <a:extLst>
+              <a:ext uri="{FF2B5EF4-FFF2-40B4-BE49-F238E27FC236}">
+                <a16:creationId xmlns:a16="http://schemas.microsoft.com/office/drawing/2014/main" id="{499BDD1A-F4D5-4220-9C22-9CDBAB07A2B0}"/>
+              </a:ext>
+            </a:extLst>
+          </p:cNvPr>
+          <p:cNvSpPr txBox="1">
+            <a:spLocks/>
+          </p:cNvSpPr>
+          <p:nvPr/>
+        </p:nvSpPr>
+        <p:spPr>
+          <a:xfrm>
+            <a:off x="838200" y="1382711"/>
+            <a:ext cx="6026426" cy="4978332"/>
+          </a:xfrm>
+          <a:prstGeom prst="rect">
+            <a:avLst/>
+          </a:prstGeom>
+        </p:spPr>
+        <p:txBody>
+          <a:bodyPr vert="horz" lIns="91440" tIns="45720" rIns="91440" bIns="45720" rtlCol="0">
+            <a:normAutofit/>
+          </a:bodyPr>
+          <a:lstStyle>
+            <a:lvl1pPr marL="0" indent="0" algn="l" defTabSz="914400" rtl="0" eaLnBrk="1" latinLnBrk="0" hangingPunct="1">
+              <a:lnSpc>
+                <a:spcPct val="90000"/>
+              </a:lnSpc>
+              <a:spcBef>
+                <a:spcPts val="1000"/>
+              </a:spcBef>
+              <a:buFont typeface="Arial" panose="020B0604020202020204" pitchFamily="34" charset="0"/>
+              <a:buNone/>
+              <a:defRPr sz="2400" kern="1200">
+                <a:solidFill>
+                  <a:schemeClr val="tx1">
+                    <a:tint val="75000"/>
+                  </a:schemeClr>
+                </a:solidFill>
+                <a:latin typeface="+mn-lt"/>
+                <a:ea typeface="+mn-ea"/>
+                <a:cs typeface="+mn-cs"/>
+              </a:defRPr>
+            </a:lvl1pPr>
+            <a:lvl2pPr marL="457200" indent="0" algn="l" defTabSz="914400" rtl="0" eaLnBrk="1" latinLnBrk="0" hangingPunct="1">
+              <a:lnSpc>
+                <a:spcPct val="90000"/>
+              </a:lnSpc>
+              <a:spcBef>
+                <a:spcPts val="500"/>
+              </a:spcBef>
+              <a:buFont typeface="Arial" panose="020B0604020202020204" pitchFamily="34" charset="0"/>
+              <a:buNone/>
+              <a:defRPr sz="2000" kern="1200">
+                <a:solidFill>
+                  <a:schemeClr val="tx1">
+                    <a:tint val="75000"/>
+                  </a:schemeClr>
+                </a:solidFill>
+                <a:latin typeface="+mn-lt"/>
+                <a:ea typeface="+mn-ea"/>
+                <a:cs typeface="+mn-cs"/>
+              </a:defRPr>
+            </a:lvl2pPr>
+            <a:lvl3pPr marL="914400" indent="0" algn="l" defTabSz="914400" rtl="0" eaLnBrk="1" latinLnBrk="0" hangingPunct="1">
+              <a:lnSpc>
+                <a:spcPct val="90000"/>
+              </a:lnSpc>
+              <a:spcBef>
+                <a:spcPts val="500"/>
+              </a:spcBef>
+              <a:buFont typeface="Arial" panose="020B0604020202020204" pitchFamily="34" charset="0"/>
+              <a:buNone/>
+              <a:defRPr sz="1800" kern="1200">
+                <a:solidFill>
+                  <a:schemeClr val="tx1">
+                    <a:tint val="75000"/>
+                  </a:schemeClr>
+                </a:solidFill>
+                <a:latin typeface="+mn-lt"/>
+                <a:ea typeface="+mn-ea"/>
+                <a:cs typeface="+mn-cs"/>
+              </a:defRPr>
+            </a:lvl3pPr>
+            <a:lvl4pPr marL="1371600" indent="0" algn="l" defTabSz="914400" rtl="0" eaLnBrk="1" latinLnBrk="0" hangingPunct="1">
+              <a:lnSpc>
+                <a:spcPct val="90000"/>
+              </a:lnSpc>
+              <a:spcBef>
+                <a:spcPts val="500"/>
+              </a:spcBef>
+              <a:buFont typeface="Arial" panose="020B0604020202020204" pitchFamily="34" charset="0"/>
+              <a:buNone/>
+              <a:defRPr sz="1600" kern="1200">
+                <a:solidFill>
+                  <a:schemeClr val="tx1">
+                    <a:tint val="75000"/>
+                  </a:schemeClr>
+                </a:solidFill>
+                <a:latin typeface="+mn-lt"/>
+                <a:ea typeface="+mn-ea"/>
+                <a:cs typeface="+mn-cs"/>
+              </a:defRPr>
+            </a:lvl4pPr>
+            <a:lvl5pPr marL="1828800" indent="0" algn="l" defTabSz="914400" rtl="0" eaLnBrk="1" latinLnBrk="0" hangingPunct="1">
+              <a:lnSpc>
+                <a:spcPct val="90000"/>
+              </a:lnSpc>
+              <a:spcBef>
+                <a:spcPts val="500"/>
+              </a:spcBef>
+              <a:buFont typeface="Arial" panose="020B0604020202020204" pitchFamily="34" charset="0"/>
+              <a:buNone/>
+              <a:defRPr sz="1600" kern="1200">
+                <a:solidFill>
+                  <a:schemeClr val="tx1">
+                    <a:tint val="75000"/>
+                  </a:schemeClr>
+                </a:solidFill>
+                <a:latin typeface="+mn-lt"/>
+                <a:ea typeface="+mn-ea"/>
+                <a:cs typeface="+mn-cs"/>
+              </a:defRPr>
+            </a:lvl5pPr>
+            <a:lvl6pPr marL="2286000" indent="0" algn="l" defTabSz="914400" rtl="0" eaLnBrk="1" latinLnBrk="0" hangingPunct="1">
+              <a:lnSpc>
+                <a:spcPct val="90000"/>
+              </a:lnSpc>
+              <a:spcBef>
+                <a:spcPts val="500"/>
+              </a:spcBef>
+              <a:buFont typeface="Arial" panose="020B0604020202020204" pitchFamily="34" charset="0"/>
+              <a:buNone/>
+              <a:defRPr sz="1600" kern="1200">
+                <a:solidFill>
+                  <a:schemeClr val="tx1">
+                    <a:tint val="75000"/>
+                  </a:schemeClr>
+                </a:solidFill>
+                <a:latin typeface="+mn-lt"/>
+                <a:ea typeface="+mn-ea"/>
+                <a:cs typeface="+mn-cs"/>
+              </a:defRPr>
+            </a:lvl6pPr>
+            <a:lvl7pPr marL="2743200" indent="0" algn="l" defTabSz="914400" rtl="0" eaLnBrk="1" latinLnBrk="0" hangingPunct="1">
+              <a:lnSpc>
+                <a:spcPct val="90000"/>
+              </a:lnSpc>
+              <a:spcBef>
+                <a:spcPts val="500"/>
+              </a:spcBef>
+              <a:buFont typeface="Arial" panose="020B0604020202020204" pitchFamily="34" charset="0"/>
+              <a:buNone/>
+              <a:defRPr sz="1600" kern="1200">
+                <a:solidFill>
+                  <a:schemeClr val="tx1">
+                    <a:tint val="75000"/>
+                  </a:schemeClr>
+                </a:solidFill>
+                <a:latin typeface="+mn-lt"/>
+                <a:ea typeface="+mn-ea"/>
+                <a:cs typeface="+mn-cs"/>
+              </a:defRPr>
+            </a:lvl7pPr>
+            <a:lvl8pPr marL="3200400" indent="0" algn="l" defTabSz="914400" rtl="0" eaLnBrk="1" latinLnBrk="0" hangingPunct="1">
+              <a:lnSpc>
+                <a:spcPct val="90000"/>
+              </a:lnSpc>
+              <a:spcBef>
+                <a:spcPts val="500"/>
+              </a:spcBef>
+              <a:buFont typeface="Arial" panose="020B0604020202020204" pitchFamily="34" charset="0"/>
+              <a:buNone/>
+              <a:defRPr sz="1600" kern="1200">
+                <a:solidFill>
+                  <a:schemeClr val="tx1">
+                    <a:tint val="75000"/>
+                  </a:schemeClr>
+                </a:solidFill>
+                <a:latin typeface="+mn-lt"/>
+                <a:ea typeface="+mn-ea"/>
+                <a:cs typeface="+mn-cs"/>
+              </a:defRPr>
+            </a:lvl8pPr>
+            <a:lvl9pPr marL="3657600" indent="0" algn="l" defTabSz="914400" rtl="0" eaLnBrk="1" latinLnBrk="0" hangingPunct="1">
+              <a:lnSpc>
+                <a:spcPct val="90000"/>
+              </a:lnSpc>
+              <a:spcBef>
+                <a:spcPts val="500"/>
+              </a:spcBef>
+              <a:buFont typeface="Arial" panose="020B0604020202020204" pitchFamily="34" charset="0"/>
+              <a:buNone/>
+              <a:defRPr sz="1600" kern="1200">
+                <a:solidFill>
+                  <a:schemeClr val="tx1">
+                    <a:tint val="75000"/>
+                  </a:schemeClr>
+                </a:solidFill>
+                <a:latin typeface="+mn-lt"/>
+                <a:ea typeface="+mn-ea"/>
+                <a:cs typeface="+mn-cs"/>
+              </a:defRPr>
+            </a:lvl9pPr>
+          </a:lstStyle>
+          <a:p>
+            <a:pPr algn="just"/>
+            <a:r>
+              <a:rPr lang="es-ES" sz="2800" dirty="0">
+                <a:solidFill>
+                  <a:schemeClr val="tx1"/>
+                </a:solidFill>
+              </a:rPr>
+              <a:t>Los diagramas de secuencia pueden ilustrar una sucesión de interacciones entre clases o instancias de objetos a través del tiempo. A menudo, los diagramas de secuencia se utilizan para ilustrar el procesamiento descrito en los escenarios de casos de uso.</a:t>
+            </a:r>
+            <a:endParaRPr lang="es-HN" sz="2800" dirty="0">
+              <a:solidFill>
+                <a:schemeClr val="tx1"/>
+              </a:solidFill>
+            </a:endParaRPr>
+          </a:p>
+        </p:txBody>
+      </p:sp>
+      <p:pic>
+        <p:nvPicPr>
+          <p:cNvPr id="5" name="Picture 4">
+            <a:extLst>
+              <a:ext uri="{FF2B5EF4-FFF2-40B4-BE49-F238E27FC236}">
+                <a16:creationId xmlns:a16="http://schemas.microsoft.com/office/drawing/2014/main" id="{A7A3565B-BBDC-486A-83E0-52599E459E5E}"/>
+              </a:ext>
+            </a:extLst>
+          </p:cNvPr>
+          <p:cNvPicPr>
+            <a:picLocks noChangeAspect="1"/>
+          </p:cNvPicPr>
+          <p:nvPr/>
+        </p:nvPicPr>
+        <p:blipFill>
+          <a:blip r:embed="rId2">
+            <a:extLst>
+              <a:ext uri="{28A0092B-C50C-407E-A947-70E740481C1C}">
+                <a14:useLocalDpi xmlns:a14="http://schemas.microsoft.com/office/drawing/2010/main" val="0"/>
+              </a:ext>
+            </a:extLst>
+          </a:blip>
+          <a:stretch>
+            <a:fillRect/>
+          </a:stretch>
+        </p:blipFill>
+        <p:spPr>
+          <a:xfrm>
+            <a:off x="7772510" y="1382711"/>
+            <a:ext cx="3698051" cy="5086490"/>
+          </a:xfrm>
+          <a:prstGeom prst="rect">
+            <a:avLst/>
+          </a:prstGeom>
+        </p:spPr>
+      </p:pic>
+    </p:spTree>
+    <p:extLst>
+      <p:ext uri="{BB962C8B-B14F-4D97-AF65-F5344CB8AC3E}">
+        <p14:creationId xmlns:p14="http://schemas.microsoft.com/office/powerpoint/2010/main" val="3390476636"/>
       </p:ext>
     </p:extLst>
   </p:cSld>
